--- a/Lecture 1/Lecture 1 Presentation.pptx
+++ b/Lecture 1/Lecture 1 Presentation.pptx
@@ -11,6 +11,7 @@
     <p:sldId id="258" r:id="rId5"/>
     <p:sldId id="259" r:id="rId6"/>
     <p:sldId id="261" r:id="rId7"/>
+    <p:sldId id="262" r:id="rId8"/>
   </p:sldIdLst>
   <p:sldSz cx="12192000" cy="6858000"/>
   <p:notesSz cx="6858000" cy="9144000"/>
@@ -264,7 +265,7 @@
           <a:p>
             <a:fld id="{42A5C37E-C40B-7B4F-85E2-99EAAA2D9709}" type="datetimeFigureOut">
               <a:rPr lang="en-US" smtClean="0"/>
-              <a:t>9/24/22</a:t>
+              <a:t>9/26/22</a:t>
             </a:fld>
             <a:endParaRPr lang="en-US"/>
           </a:p>
@@ -462,7 +463,7 @@
           <a:p>
             <a:fld id="{42A5C37E-C40B-7B4F-85E2-99EAAA2D9709}" type="datetimeFigureOut">
               <a:rPr lang="en-US" smtClean="0"/>
-              <a:t>9/24/22</a:t>
+              <a:t>9/26/22</a:t>
             </a:fld>
             <a:endParaRPr lang="en-US"/>
           </a:p>
@@ -670,7 +671,7 @@
           <a:p>
             <a:fld id="{42A5C37E-C40B-7B4F-85E2-99EAAA2D9709}" type="datetimeFigureOut">
               <a:rPr lang="en-US" smtClean="0"/>
-              <a:t>9/24/22</a:t>
+              <a:t>9/26/22</a:t>
             </a:fld>
             <a:endParaRPr lang="en-US"/>
           </a:p>
@@ -868,7 +869,7 @@
           <a:p>
             <a:fld id="{42A5C37E-C40B-7B4F-85E2-99EAAA2D9709}" type="datetimeFigureOut">
               <a:rPr lang="en-US" smtClean="0"/>
-              <a:t>9/24/22</a:t>
+              <a:t>9/26/22</a:t>
             </a:fld>
             <a:endParaRPr lang="en-US"/>
           </a:p>
@@ -1143,7 +1144,7 @@
           <a:p>
             <a:fld id="{42A5C37E-C40B-7B4F-85E2-99EAAA2D9709}" type="datetimeFigureOut">
               <a:rPr lang="en-US" smtClean="0"/>
-              <a:t>9/24/22</a:t>
+              <a:t>9/26/22</a:t>
             </a:fld>
             <a:endParaRPr lang="en-US"/>
           </a:p>
@@ -1408,7 +1409,7 @@
           <a:p>
             <a:fld id="{42A5C37E-C40B-7B4F-85E2-99EAAA2D9709}" type="datetimeFigureOut">
               <a:rPr lang="en-US" smtClean="0"/>
-              <a:t>9/24/22</a:t>
+              <a:t>9/26/22</a:t>
             </a:fld>
             <a:endParaRPr lang="en-US"/>
           </a:p>
@@ -1820,7 +1821,7 @@
           <a:p>
             <a:fld id="{42A5C37E-C40B-7B4F-85E2-99EAAA2D9709}" type="datetimeFigureOut">
               <a:rPr lang="en-US" smtClean="0"/>
-              <a:t>9/24/22</a:t>
+              <a:t>9/26/22</a:t>
             </a:fld>
             <a:endParaRPr lang="en-US"/>
           </a:p>
@@ -1961,7 +1962,7 @@
           <a:p>
             <a:fld id="{42A5C37E-C40B-7B4F-85E2-99EAAA2D9709}" type="datetimeFigureOut">
               <a:rPr lang="en-US" smtClean="0"/>
-              <a:t>9/24/22</a:t>
+              <a:t>9/26/22</a:t>
             </a:fld>
             <a:endParaRPr lang="en-US"/>
           </a:p>
@@ -2074,7 +2075,7 @@
           <a:p>
             <a:fld id="{42A5C37E-C40B-7B4F-85E2-99EAAA2D9709}" type="datetimeFigureOut">
               <a:rPr lang="en-US" smtClean="0"/>
-              <a:t>9/24/22</a:t>
+              <a:t>9/26/22</a:t>
             </a:fld>
             <a:endParaRPr lang="en-US"/>
           </a:p>
@@ -2385,7 +2386,7 @@
           <a:p>
             <a:fld id="{42A5C37E-C40B-7B4F-85E2-99EAAA2D9709}" type="datetimeFigureOut">
               <a:rPr lang="en-US" smtClean="0"/>
-              <a:t>9/24/22</a:t>
+              <a:t>9/26/22</a:t>
             </a:fld>
             <a:endParaRPr lang="en-US"/>
           </a:p>
@@ -2673,7 +2674,7 @@
           <a:p>
             <a:fld id="{42A5C37E-C40B-7B4F-85E2-99EAAA2D9709}" type="datetimeFigureOut">
               <a:rPr lang="en-US" smtClean="0"/>
-              <a:t>9/24/22</a:t>
+              <a:t>9/26/22</a:t>
             </a:fld>
             <a:endParaRPr lang="en-US"/>
           </a:p>
@@ -2914,7 +2915,7 @@
           <a:p>
             <a:fld id="{42A5C37E-C40B-7B4F-85E2-99EAAA2D9709}" type="datetimeFigureOut">
               <a:rPr lang="en-US" smtClean="0"/>
-              <a:t>9/24/22</a:t>
+              <a:t>9/26/22</a:t>
             </a:fld>
             <a:endParaRPr lang="en-US"/>
           </a:p>
@@ -4534,6 +4535,197 @@
 </p:sld>
 </file>
 
+<file path=ppt/slides/slide7.xml><?xml version="1.0" encoding="utf-8"?>
+<p:sld xmlns:a="http://schemas.openxmlformats.org/drawingml/2006/main" xmlns:r="http://schemas.openxmlformats.org/officeDocument/2006/relationships" xmlns:p="http://schemas.openxmlformats.org/presentationml/2006/main">
+  <p:cSld>
+    <p:bg>
+      <p:bgPr>
+        <a:solidFill>
+          <a:schemeClr val="accent2">
+            <a:lumMod val="40000"/>
+            <a:lumOff val="60000"/>
+          </a:schemeClr>
+        </a:solidFill>
+        <a:effectLst/>
+      </p:bgPr>
+    </p:bg>
+    <p:spTree>
+      <p:nvGrpSpPr>
+        <p:cNvPr id="1" name=""/>
+        <p:cNvGrpSpPr/>
+        <p:nvPr/>
+      </p:nvGrpSpPr>
+      <p:grpSpPr>
+        <a:xfrm>
+          <a:off x="0" y="0"/>
+          <a:ext cx="0" cy="0"/>
+          <a:chOff x="0" y="0"/>
+          <a:chExt cx="0" cy="0"/>
+        </a:xfrm>
+      </p:grpSpPr>
+      <p:sp>
+        <p:nvSpPr>
+          <p:cNvPr id="2" name="Title 1">
+            <a:extLst>
+              <a:ext uri="{FF2B5EF4-FFF2-40B4-BE49-F238E27FC236}">
+                <a16:creationId xmlns:a16="http://schemas.microsoft.com/office/drawing/2014/main" id="{1291FB82-0DBE-2446-2129-02564E5E0396}"/>
+              </a:ext>
+            </a:extLst>
+          </p:cNvPr>
+          <p:cNvSpPr>
+            <a:spLocks noGrp="1"/>
+          </p:cNvSpPr>
+          <p:nvPr>
+            <p:ph type="title"/>
+          </p:nvPr>
+        </p:nvSpPr>
+        <p:spPr/>
+        <p:txBody>
+          <a:bodyPr/>
+          <a:lstStyle/>
+          <a:p>
+            <a:r>
+              <a:rPr lang="en-US" dirty="0"/>
+              <a:t>Notes on Installation Guide</a:t>
+            </a:r>
+          </a:p>
+        </p:txBody>
+      </p:sp>
+      <p:sp>
+        <p:nvSpPr>
+          <p:cNvPr id="3" name="Content Placeholder 2">
+            <a:extLst>
+              <a:ext uri="{FF2B5EF4-FFF2-40B4-BE49-F238E27FC236}">
+                <a16:creationId xmlns:a16="http://schemas.microsoft.com/office/drawing/2014/main" id="{E12E06F4-2A8C-DE9B-3B7A-949E03CD0296}"/>
+              </a:ext>
+            </a:extLst>
+          </p:cNvPr>
+          <p:cNvSpPr>
+            <a:spLocks noGrp="1"/>
+          </p:cNvSpPr>
+          <p:nvPr>
+            <p:ph idx="1"/>
+          </p:nvPr>
+        </p:nvSpPr>
+        <p:spPr>
+          <a:xfrm>
+            <a:off x="838200" y="1825625"/>
+            <a:ext cx="10928420" cy="1902561"/>
+          </a:xfrm>
+        </p:spPr>
+        <p:txBody>
+          <a:bodyPr/>
+          <a:lstStyle/>
+          <a:p>
+            <a:pPr marL="342900" indent="-342900">
+              <a:lnSpc>
+                <a:spcPct val="150000"/>
+              </a:lnSpc>
+              <a:buAutoNum type="arabicPeriod"/>
+            </a:pPr>
+            <a:r>
+              <a:rPr lang="en-US" sz="1800" dirty="0">
+                <a:effectLst/>
+                <a:latin typeface="Calibri" panose="020F0502020204030204" pitchFamily="34" charset="0"/>
+                <a:ea typeface="Calibri" panose="020F0502020204030204" pitchFamily="34" charset="0"/>
+                <a:cs typeface="Times New Roman" panose="02020603050405020304" pitchFamily="18" charset="0"/>
+              </a:rPr>
+              <a:t>Use Git Bash instead of </a:t>
+            </a:r>
+            <a:r>
+              <a:rPr lang="en-US" sz="1800" dirty="0" err="1">
+                <a:effectLst/>
+                <a:latin typeface="Calibri" panose="020F0502020204030204" pitchFamily="34" charset="0"/>
+                <a:ea typeface="Calibri" panose="020F0502020204030204" pitchFamily="34" charset="0"/>
+                <a:cs typeface="Times New Roman" panose="02020603050405020304" pitchFamily="18" charset="0"/>
+              </a:rPr>
+              <a:t>Powershell</a:t>
+            </a:r>
+            <a:r>
+              <a:rPr lang="en-US" sz="1800" dirty="0">
+                <a:effectLst/>
+                <a:latin typeface="Calibri" panose="020F0502020204030204" pitchFamily="34" charset="0"/>
+                <a:ea typeface="Calibri" panose="020F0502020204030204" pitchFamily="34" charset="0"/>
+                <a:cs typeface="Times New Roman" panose="02020603050405020304" pitchFamily="18" charset="0"/>
+              </a:rPr>
+              <a:t> after you go through the installation guide.</a:t>
+            </a:r>
+          </a:p>
+          <a:p>
+            <a:pPr marL="342900" indent="-342900">
+              <a:lnSpc>
+                <a:spcPct val="150000"/>
+              </a:lnSpc>
+              <a:buAutoNum type="arabicPeriod"/>
+            </a:pPr>
+            <a:r>
+              <a:rPr lang="en-US" sz="1800" dirty="0">
+                <a:latin typeface="Calibri" panose="020F0502020204030204" pitchFamily="34" charset="0"/>
+                <a:ea typeface="Calibri" panose="020F0502020204030204" pitchFamily="34" charset="0"/>
+                <a:cs typeface="Times New Roman" panose="02020603050405020304" pitchFamily="18" charset="0"/>
+              </a:rPr>
+              <a:t>For Mac/Linux, it is okay if echo $0 returns </a:t>
+            </a:r>
+            <a:r>
+              <a:rPr lang="en-US" sz="1800" dirty="0" err="1">
+                <a:latin typeface="Calibri" panose="020F0502020204030204" pitchFamily="34" charset="0"/>
+                <a:ea typeface="Calibri" panose="020F0502020204030204" pitchFamily="34" charset="0"/>
+                <a:cs typeface="Times New Roman" panose="02020603050405020304" pitchFamily="18" charset="0"/>
+              </a:rPr>
+              <a:t>zsh</a:t>
+            </a:r>
+            <a:r>
+              <a:rPr lang="en-US" sz="1800" dirty="0">
+                <a:latin typeface="Calibri" panose="020F0502020204030204" pitchFamily="34" charset="0"/>
+                <a:ea typeface="Calibri" panose="020F0502020204030204" pitchFamily="34" charset="0"/>
+                <a:cs typeface="Times New Roman" panose="02020603050405020304" pitchFamily="18" charset="0"/>
+              </a:rPr>
+              <a:t>. </a:t>
+            </a:r>
+            <a:r>
+              <a:rPr lang="en-US" sz="1800" dirty="0" err="1">
+                <a:latin typeface="Calibri" panose="020F0502020204030204" pitchFamily="34" charset="0"/>
+                <a:ea typeface="Calibri" panose="020F0502020204030204" pitchFamily="34" charset="0"/>
+                <a:cs typeface="Times New Roman" panose="02020603050405020304" pitchFamily="18" charset="0"/>
+              </a:rPr>
+              <a:t>Zsh</a:t>
+            </a:r>
+            <a:r>
+              <a:rPr lang="en-US" sz="1800" dirty="0">
+                <a:latin typeface="Calibri" panose="020F0502020204030204" pitchFamily="34" charset="0"/>
+                <a:ea typeface="Calibri" panose="020F0502020204030204" pitchFamily="34" charset="0"/>
+                <a:cs typeface="Times New Roman" panose="02020603050405020304" pitchFamily="18" charset="0"/>
+              </a:rPr>
+              <a:t> is built on top of bash and has additional features.</a:t>
+            </a:r>
+            <a:endParaRPr lang="en-US" sz="1800" dirty="0">
+              <a:effectLst/>
+              <a:latin typeface="Calibri" panose="020F0502020204030204" pitchFamily="34" charset="0"/>
+              <a:ea typeface="Calibri" panose="020F0502020204030204" pitchFamily="34" charset="0"/>
+              <a:cs typeface="Times New Roman" panose="02020603050405020304" pitchFamily="18" charset="0"/>
+            </a:endParaRPr>
+          </a:p>
+          <a:p>
+            <a:pPr marL="0" indent="0">
+              <a:buNone/>
+            </a:pPr>
+            <a:endParaRPr lang="en-US" dirty="0"/>
+          </a:p>
+        </p:txBody>
+      </p:sp>
+    </p:spTree>
+    <p:extLst>
+      <p:ext uri="{BB962C8B-B14F-4D97-AF65-F5344CB8AC3E}">
+        <p14:creationId xmlns:p14="http://schemas.microsoft.com/office/powerpoint/2010/main" val="3378610536"/>
+      </p:ext>
+    </p:extLst>
+  </p:cSld>
+  <p:clrMapOvr>
+    <a:masterClrMapping/>
+  </p:clrMapOvr>
+</p:sld>
+</file>
+
 <file path=ppt/theme/theme1.xml><?xml version="1.0" encoding="utf-8"?>
 <a:theme xmlns:a="http://schemas.openxmlformats.org/drawingml/2006/main" name="Office Theme">
   <a:themeElements>

--- a/Lecture 1/Lecture 1 Presentation.pptx
+++ b/Lecture 1/Lecture 1 Presentation.pptx
@@ -3901,7 +3901,42 @@
                 <a:ea typeface="Calibri" panose="020F0502020204030204" pitchFamily="34" charset="0"/>
                 <a:cs typeface="Times New Roman" panose="02020603050405020304" pitchFamily="18" charset="0"/>
               </a:rPr>
-              <a:t>The terminal is a program that allows you to interact with your computer by entering commands. If you’re on Mac/Linux, you have a program called Terminal and if you are using Windows, you should ideally have PowerShell. </a:t>
+              <a:t>There are many ways to interact with a computer </a:t>
+            </a:r>
+            <a:r>
+              <a:rPr lang="en-US" sz="1800" dirty="0" err="1">
+                <a:effectLst/>
+                <a:latin typeface="Calibri" panose="020F0502020204030204" pitchFamily="34" charset="0"/>
+                <a:ea typeface="Calibri" panose="020F0502020204030204" pitchFamily="34" charset="0"/>
+                <a:cs typeface="Times New Roman" panose="02020603050405020304" pitchFamily="18" charset="0"/>
+              </a:rPr>
+              <a:t>i.e</a:t>
+            </a:r>
+            <a:r>
+              <a:rPr lang="en-US" sz="1800" dirty="0">
+                <a:effectLst/>
+                <a:latin typeface="Calibri" panose="020F0502020204030204" pitchFamily="34" charset="0"/>
+                <a:ea typeface="Calibri" panose="020F0502020204030204" pitchFamily="34" charset="0"/>
+                <a:cs typeface="Times New Roman" panose="02020603050405020304" pitchFamily="18" charset="0"/>
+              </a:rPr>
+              <a:t>,. if you want to open a file on your computer,  you normally go and click on </a:t>
+            </a:r>
+            <a:r>
+              <a:rPr lang="en-US" sz="1800" dirty="0">
+                <a:latin typeface="Calibri" panose="020F0502020204030204" pitchFamily="34" charset="0"/>
+                <a:ea typeface="Calibri" panose="020F0502020204030204" pitchFamily="34" charset="0"/>
+                <a:cs typeface="Times New Roman" panose="02020603050405020304" pitchFamily="18" charset="0"/>
+              </a:rPr>
+              <a:t>the icon, etc</a:t>
+            </a:r>
+            <a:r>
+              <a:rPr lang="en-US" sz="1800" dirty="0">
+                <a:effectLst/>
+                <a:latin typeface="Calibri" panose="020F0502020204030204" pitchFamily="34" charset="0"/>
+                <a:ea typeface="Calibri" panose="020F0502020204030204" pitchFamily="34" charset="0"/>
+                <a:cs typeface="Times New Roman" panose="02020603050405020304" pitchFamily="18" charset="0"/>
+              </a:rPr>
+              <a:t>. Terminal is a more concise way to interact with your computer. </a:t>
             </a:r>
           </a:p>
           <a:p>
@@ -3917,15 +3952,12 @@
               </a:spcAft>
               <a:buNone/>
             </a:pPr>
-            <a:r>
-              <a:rPr lang="en-US" sz="1800" dirty="0">
-                <a:effectLst/>
-                <a:latin typeface="Calibri" panose="020F0502020204030204" pitchFamily="34" charset="0"/>
-                <a:ea typeface="Calibri" panose="020F0502020204030204" pitchFamily="34" charset="0"/>
-                <a:cs typeface="Times New Roman" panose="02020603050405020304" pitchFamily="18" charset="0"/>
-              </a:rPr>
-              <a:t> </a:t>
-            </a:r>
+            <a:endParaRPr lang="en-US" sz="1800" dirty="0">
+              <a:effectLst/>
+              <a:latin typeface="Calibri" panose="020F0502020204030204" pitchFamily="34" charset="0"/>
+              <a:ea typeface="Calibri" panose="020F0502020204030204" pitchFamily="34" charset="0"/>
+              <a:cs typeface="Times New Roman" panose="02020603050405020304" pitchFamily="18" charset="0"/>
+            </a:endParaRPr>
           </a:p>
           <a:p>
             <a:pPr marL="0" marR="0" indent="0" algn="just">
@@ -3942,12 +3974,80 @@
             </a:pPr>
             <a:r>
               <a:rPr lang="en-US" sz="1800" dirty="0">
+                <a:latin typeface="Calibri" panose="020F0502020204030204" pitchFamily="34" charset="0"/>
+                <a:ea typeface="Calibri" panose="020F0502020204030204" pitchFamily="34" charset="0"/>
+                <a:cs typeface="Times New Roman" panose="02020603050405020304" pitchFamily="18" charset="0"/>
+              </a:rPr>
+              <a:t>Terminal is a program that allows you to interact with you</a:t>
+            </a:r>
+            <a:r>
+              <a:rPr lang="en-US" sz="1800" dirty="0">
                 <a:effectLst/>
                 <a:latin typeface="Calibri" panose="020F0502020204030204" pitchFamily="34" charset="0"/>
                 <a:ea typeface="Calibri" panose="020F0502020204030204" pitchFamily="34" charset="0"/>
                 <a:cs typeface="Times New Roman" panose="02020603050405020304" pitchFamily="18" charset="0"/>
               </a:rPr>
-              <a:t>Terminal has a lot of useful commands that you can use to explore the directories (think of them as folders) on your computer.</a:t>
+              <a:t>r computer by entering commands. If you’re on Mac/Linux, you have a program called Terminal and if you are using Windows, you should ideally have PowerShell. </a:t>
+            </a:r>
+            <a:r>
+              <a:rPr lang="en-US" sz="1800" dirty="0">
+                <a:latin typeface="Calibri" panose="020F0502020204030204" pitchFamily="34" charset="0"/>
+                <a:ea typeface="Calibri" panose="020F0502020204030204" pitchFamily="34" charset="0"/>
+                <a:cs typeface="Times New Roman" panose="02020603050405020304" pitchFamily="18" charset="0"/>
+              </a:rPr>
+              <a:t>HOWEVER, by the end of this lecture, people on Windows should have Git Bash (aka a terminal for the Windows). </a:t>
+            </a:r>
+            <a:endParaRPr lang="en-US" sz="1800" dirty="0">
+              <a:effectLst/>
+              <a:latin typeface="Calibri" panose="020F0502020204030204" pitchFamily="34" charset="0"/>
+              <a:ea typeface="Calibri" panose="020F0502020204030204" pitchFamily="34" charset="0"/>
+              <a:cs typeface="Times New Roman" panose="02020603050405020304" pitchFamily="18" charset="0"/>
+            </a:endParaRPr>
+          </a:p>
+          <a:p>
+            <a:pPr marL="0" marR="0" indent="0" algn="just">
+              <a:lnSpc>
+                <a:spcPct val="115000"/>
+              </a:lnSpc>
+              <a:spcBef>
+                <a:spcPts val="0"/>
+              </a:spcBef>
+              <a:spcAft>
+                <a:spcPts val="0"/>
+              </a:spcAft>
+              <a:buNone/>
+            </a:pPr>
+            <a:r>
+              <a:rPr lang="en-US" sz="1800" dirty="0">
+                <a:effectLst/>
+                <a:latin typeface="Calibri" panose="020F0502020204030204" pitchFamily="34" charset="0"/>
+                <a:ea typeface="Calibri" panose="020F0502020204030204" pitchFamily="34" charset="0"/>
+                <a:cs typeface="Times New Roman" panose="02020603050405020304" pitchFamily="18" charset="0"/>
+              </a:rPr>
+              <a:t> </a:t>
+            </a:r>
+          </a:p>
+          <a:p>
+            <a:pPr marL="0" marR="0" indent="0" algn="just">
+              <a:lnSpc>
+                <a:spcPct val="115000"/>
+              </a:lnSpc>
+              <a:spcBef>
+                <a:spcPts val="0"/>
+              </a:spcBef>
+              <a:spcAft>
+                <a:spcPts val="0"/>
+              </a:spcAft>
+              <a:buNone/>
+            </a:pPr>
+            <a:r>
+              <a:rPr lang="en-US" sz="1800" dirty="0">
+                <a:effectLst/>
+                <a:latin typeface="Calibri" panose="020F0502020204030204" pitchFamily="34" charset="0"/>
+                <a:ea typeface="Calibri" panose="020F0502020204030204" pitchFamily="34" charset="0"/>
+                <a:cs typeface="Times New Roman" panose="02020603050405020304" pitchFamily="18" charset="0"/>
+              </a:rPr>
+              <a:t>Terminal has a lot of useful commands that you can use to explore the folders (technically called directories) on your computer.</a:t>
             </a:r>
           </a:p>
           <a:p>
@@ -4103,7 +4203,7 @@
                 <a:ea typeface="Calibri" panose="020F0502020204030204" pitchFamily="34" charset="0"/>
                 <a:cs typeface="Times New Roman" panose="02020603050405020304" pitchFamily="18" charset="0"/>
               </a:rPr>
-              <a:t>Python is a high-level programming language with human-readable syntax.</a:t>
+              <a:t>Python is a high-level (something easily readable by humans) programming language with human-readable syntax. Why use it?</a:t>
             </a:r>
           </a:p>
           <a:p>
@@ -4267,7 +4367,7 @@
               <a:buNone/>
             </a:pPr>
             <a:r>
-              <a:rPr lang="en-US" sz="1800">
+              <a:rPr lang="en-US" sz="1800" dirty="0">
                 <a:effectLst/>
                 <a:latin typeface="Calibri" panose="020F0502020204030204" pitchFamily="34" charset="0"/>
                 <a:ea typeface="Calibri" panose="020F0502020204030204" pitchFamily="34" charset="0"/>
@@ -4275,12 +4375,6 @@
               </a:rPr>
               <a:t>[DEMO]</a:t>
             </a:r>
-            <a:endParaRPr lang="en-US" sz="1800" dirty="0">
-              <a:effectLst/>
-              <a:latin typeface="Calibri" panose="020F0502020204030204" pitchFamily="34" charset="0"/>
-              <a:ea typeface="Calibri" panose="020F0502020204030204" pitchFamily="34" charset="0"/>
-              <a:cs typeface="Times New Roman" panose="02020603050405020304" pitchFamily="18" charset="0"/>
-            </a:endParaRPr>
           </a:p>
           <a:p>
             <a:pPr marL="342900" marR="0" lvl="0" indent="-342900" algn="just">
@@ -4330,7 +4424,7 @@
         </p:blipFill>
         <p:spPr>
           <a:xfrm>
-            <a:off x="2381250" y="3347704"/>
+            <a:off x="2381250" y="3715563"/>
             <a:ext cx="7429500" cy="1498600"/>
           </a:xfrm>
           <a:prstGeom prst="rect">
@@ -4425,7 +4519,7 @@
         </p:nvSpPr>
         <p:spPr>
           <a:xfrm>
-            <a:off x="838200" y="1825625"/>
+            <a:off x="838200" y="1810217"/>
             <a:ext cx="10928420" cy="1902561"/>
           </a:xfrm>
         </p:spPr>
@@ -4446,7 +4540,36 @@
                 <a:ea typeface="Calibri" panose="020F0502020204030204" pitchFamily="34" charset="0"/>
                 <a:cs typeface="Times New Roman" panose="02020603050405020304" pitchFamily="18" charset="0"/>
               </a:rPr>
-              <a:t>Git is a </a:t>
+              <a:t>Git and GitHub are extremely useful tools for writing and sharing code with your peers. </a:t>
+            </a:r>
+            <a:endParaRPr lang="en-US" sz="1800" dirty="0">
+              <a:latin typeface="Calibri" panose="020F0502020204030204" pitchFamily="34" charset="0"/>
+              <a:ea typeface="Calibri" panose="020F0502020204030204" pitchFamily="34" charset="0"/>
+              <a:cs typeface="Times New Roman" panose="02020603050405020304" pitchFamily="18" charset="0"/>
+            </a:endParaRPr>
+          </a:p>
+          <a:p>
+            <a:pPr marL="0" indent="0">
+              <a:lnSpc>
+                <a:spcPct val="150000"/>
+              </a:lnSpc>
+              <a:buNone/>
+            </a:pPr>
+            <a:r>
+              <a:rPr lang="en-US" sz="1800" dirty="0">
+                <a:latin typeface="Calibri" panose="020F0502020204030204" pitchFamily="34" charset="0"/>
+                <a:cs typeface="Times New Roman" panose="02020603050405020304" pitchFamily="18" charset="0"/>
+              </a:rPr>
+              <a:t>In more technical terms, Git</a:t>
+            </a:r>
+            <a:r>
+              <a:rPr lang="en-US" sz="1800" dirty="0">
+                <a:effectLst/>
+                <a:latin typeface="Calibri" panose="020F0502020204030204" pitchFamily="34" charset="0"/>
+                <a:ea typeface="Calibri" panose="020F0502020204030204" pitchFamily="34" charset="0"/>
+                <a:cs typeface="Times New Roman" panose="02020603050405020304" pitchFamily="18" charset="0"/>
+              </a:rPr>
+              <a:t> is a </a:t>
             </a:r>
             <a:r>
               <a:rPr lang="en-US" sz="1800" i="1" dirty="0">
@@ -4464,13 +4587,8 @@
                 <a:ea typeface="Calibri" panose="020F0502020204030204" pitchFamily="34" charset="0"/>
                 <a:cs typeface="Times New Roman" panose="02020603050405020304" pitchFamily="18" charset="0"/>
               </a:rPr>
-              <a:t> version control system, which means that every developer’s computer stores the entire history of the entire project.</a:t>
-            </a:r>
-          </a:p>
-          <a:p>
-            <a:pPr marL="0" indent="0">
-              <a:buNone/>
-            </a:pPr>
+              <a:t> version control system. What does that mean? It means that if User A, User B and User C are collectively working on a project, they all have versions of that project on that computer. </a:t>
+            </a:r>
             <a:endParaRPr lang="en-US" dirty="0"/>
           </a:p>
         </p:txBody>
@@ -4504,7 +4622,7 @@
         </p:blipFill>
         <p:spPr bwMode="auto">
           <a:xfrm>
-            <a:off x="3436536" y="2928629"/>
+            <a:off x="3426026" y="3822006"/>
             <a:ext cx="5330778" cy="2887505"/>
           </a:xfrm>
           <a:prstGeom prst="rect">

--- a/Lecture 1/Lecture 1 Presentation.pptx
+++ b/Lecture 1/Lecture 1 Presentation.pptx
@@ -4587,7 +4587,16 @@
                 <a:ea typeface="Calibri" panose="020F0502020204030204" pitchFamily="34" charset="0"/>
                 <a:cs typeface="Times New Roman" panose="02020603050405020304" pitchFamily="18" charset="0"/>
               </a:rPr>
-              <a:t> version control system. What does that mean? It means that if User A, User B and User C are collectively working on a project, they all have versions of that project on that computer. </a:t>
+              <a:t> version control system. What does that mean? It means that if User A, User B and User C are collectively working on a project, they all have versions of that project on that computer. They can use Git to track and </a:t>
+            </a:r>
+            <a:r>
+              <a:rPr lang="en-US" sz="1800">
+                <a:effectLst/>
+                <a:latin typeface="Calibri" panose="020F0502020204030204" pitchFamily="34" charset="0"/>
+                <a:ea typeface="Calibri" panose="020F0502020204030204" pitchFamily="34" charset="0"/>
+                <a:cs typeface="Times New Roman" panose="02020603050405020304" pitchFamily="18" charset="0"/>
+              </a:rPr>
+              <a:t>share their code.</a:t>
             </a:r>
             <a:endParaRPr lang="en-US" dirty="0"/>
           </a:p>
